--- a/Präsentation/Jump And Run.pptx
+++ b/Präsentation/Jump And Run.pptx
@@ -10,9 +10,9 @@
     <p:sldId id="265" r:id="rId4"/>
     <p:sldId id="258" r:id="rId5"/>
     <p:sldId id="259" r:id="rId6"/>
-    <p:sldId id="260" r:id="rId7"/>
-    <p:sldId id="261" r:id="rId8"/>
-    <p:sldId id="262" r:id="rId9"/>
+    <p:sldId id="262" r:id="rId7"/>
+    <p:sldId id="260" r:id="rId8"/>
+    <p:sldId id="261" r:id="rId9"/>
     <p:sldId id="263" r:id="rId10"/>
     <p:sldId id="264" r:id="rId11"/>
   </p:sldIdLst>
@@ -500,7 +500,8 @@
           <a:p>
             <a:fld id="{E4E22B9F-3C64-4D39-BB36-AEEAA5B31D5F}" type="datetimeFigureOut">
               <a:rPr lang="de-AT" smtClean="0"/>
-              <a:t>22.01.2014</a:t>
+              <a:pPr/>
+              <a:t>28.01.2014</a:t>
             </a:fld>
             <a:endParaRPr lang="de-AT"/>
           </a:p>
@@ -542,6 +543,7 @@
           <a:p>
             <a:fld id="{99D2CEB2-CD1F-4454-AA0E-56F040CE6547}" type="slidenum">
               <a:rPr lang="de-AT" smtClean="0"/>
+              <a:pPr/>
               <a:t>‹Nr.›</a:t>
             </a:fld>
             <a:endParaRPr lang="de-AT"/>
@@ -665,7 +667,8 @@
           <a:p>
             <a:fld id="{E4E22B9F-3C64-4D39-BB36-AEEAA5B31D5F}" type="datetimeFigureOut">
               <a:rPr lang="de-AT" smtClean="0"/>
-              <a:t>22.01.2014</a:t>
+              <a:pPr/>
+              <a:t>28.01.2014</a:t>
             </a:fld>
             <a:endParaRPr lang="de-AT"/>
           </a:p>
@@ -707,6 +710,7 @@
           <a:p>
             <a:fld id="{99D2CEB2-CD1F-4454-AA0E-56F040CE6547}" type="slidenum">
               <a:rPr lang="de-AT" smtClean="0"/>
+              <a:pPr/>
               <a:t>‹Nr.›</a:t>
             </a:fld>
             <a:endParaRPr lang="de-AT"/>
@@ -840,7 +844,8 @@
           <a:p>
             <a:fld id="{E4E22B9F-3C64-4D39-BB36-AEEAA5B31D5F}" type="datetimeFigureOut">
               <a:rPr lang="de-AT" smtClean="0"/>
-              <a:t>22.01.2014</a:t>
+              <a:pPr/>
+              <a:t>28.01.2014</a:t>
             </a:fld>
             <a:endParaRPr lang="de-AT"/>
           </a:p>
@@ -882,6 +887,7 @@
           <a:p>
             <a:fld id="{99D2CEB2-CD1F-4454-AA0E-56F040CE6547}" type="slidenum">
               <a:rPr lang="de-AT" smtClean="0"/>
+              <a:pPr/>
               <a:t>‹Nr.›</a:t>
             </a:fld>
             <a:endParaRPr lang="de-AT"/>
@@ -1009,7 +1015,8 @@
           <a:p>
             <a:fld id="{E4E22B9F-3C64-4D39-BB36-AEEAA5B31D5F}" type="datetimeFigureOut">
               <a:rPr lang="de-AT" smtClean="0"/>
-              <a:t>22.01.2014</a:t>
+              <a:pPr/>
+              <a:t>28.01.2014</a:t>
             </a:fld>
             <a:endParaRPr lang="de-AT"/>
           </a:p>
@@ -1051,6 +1058,7 @@
           <a:p>
             <a:fld id="{99D2CEB2-CD1F-4454-AA0E-56F040CE6547}" type="slidenum">
               <a:rPr lang="de-AT" smtClean="0"/>
+              <a:pPr/>
               <a:t>‹Nr.›</a:t>
             </a:fld>
             <a:endParaRPr lang="de-AT"/>
@@ -1464,7 +1472,8 @@
           <a:p>
             <a:fld id="{E4E22B9F-3C64-4D39-BB36-AEEAA5B31D5F}" type="datetimeFigureOut">
               <a:rPr lang="de-AT" smtClean="0"/>
-              <a:t>22.01.2014</a:t>
+              <a:pPr/>
+              <a:t>28.01.2014</a:t>
             </a:fld>
             <a:endParaRPr lang="de-AT"/>
           </a:p>
@@ -1506,6 +1515,7 @@
           <a:p>
             <a:fld id="{99D2CEB2-CD1F-4454-AA0E-56F040CE6547}" type="slidenum">
               <a:rPr lang="de-AT" smtClean="0"/>
+              <a:pPr/>
               <a:t>‹Nr.›</a:t>
             </a:fld>
             <a:endParaRPr lang="de-AT"/>
@@ -1728,7 +1738,8 @@
           <a:p>
             <a:fld id="{E4E22B9F-3C64-4D39-BB36-AEEAA5B31D5F}" type="datetimeFigureOut">
               <a:rPr lang="de-AT" smtClean="0"/>
-              <a:t>22.01.2014</a:t>
+              <a:pPr/>
+              <a:t>28.01.2014</a:t>
             </a:fld>
             <a:endParaRPr lang="de-AT"/>
           </a:p>
@@ -1770,6 +1781,7 @@
           <a:p>
             <a:fld id="{99D2CEB2-CD1F-4454-AA0E-56F040CE6547}" type="slidenum">
               <a:rPr lang="de-AT" smtClean="0"/>
+              <a:pPr/>
               <a:t>‹Nr.›</a:t>
             </a:fld>
             <a:endParaRPr lang="de-AT"/>
@@ -2102,7 +2114,8 @@
           <a:p>
             <a:fld id="{E4E22B9F-3C64-4D39-BB36-AEEAA5B31D5F}" type="datetimeFigureOut">
               <a:rPr lang="de-AT" smtClean="0"/>
-              <a:t>22.01.2014</a:t>
+              <a:pPr/>
+              <a:t>28.01.2014</a:t>
             </a:fld>
             <a:endParaRPr lang="de-AT"/>
           </a:p>
@@ -2144,6 +2157,7 @@
           <a:p>
             <a:fld id="{99D2CEB2-CD1F-4454-AA0E-56F040CE6547}" type="slidenum">
               <a:rPr lang="de-AT" smtClean="0"/>
+              <a:pPr/>
               <a:t>‹Nr.›</a:t>
             </a:fld>
             <a:endParaRPr lang="de-AT"/>
@@ -2224,7 +2238,8 @@
           <a:p>
             <a:fld id="{E4E22B9F-3C64-4D39-BB36-AEEAA5B31D5F}" type="datetimeFigureOut">
               <a:rPr lang="de-AT" smtClean="0"/>
-              <a:t>22.01.2014</a:t>
+              <a:pPr/>
+              <a:t>28.01.2014</a:t>
             </a:fld>
             <a:endParaRPr lang="de-AT"/>
           </a:p>
@@ -2247,6 +2262,7 @@
           <a:p>
             <a:fld id="{99D2CEB2-CD1F-4454-AA0E-56F040CE6547}" type="slidenum">
               <a:rPr lang="de-AT" smtClean="0"/>
+              <a:pPr/>
               <a:t>‹Nr.›</a:t>
             </a:fld>
             <a:endParaRPr lang="de-AT"/>
@@ -2314,7 +2330,8 @@
           <a:p>
             <a:fld id="{E4E22B9F-3C64-4D39-BB36-AEEAA5B31D5F}" type="datetimeFigureOut">
               <a:rPr lang="de-AT" smtClean="0"/>
-              <a:t>22.01.2014</a:t>
+              <a:pPr/>
+              <a:t>28.01.2014</a:t>
             </a:fld>
             <a:endParaRPr lang="de-AT"/>
           </a:p>
@@ -2356,6 +2373,7 @@
           <a:p>
             <a:fld id="{99D2CEB2-CD1F-4454-AA0E-56F040CE6547}" type="slidenum">
               <a:rPr lang="de-AT" smtClean="0"/>
+              <a:pPr/>
               <a:t>‹Nr.›</a:t>
             </a:fld>
             <a:endParaRPr lang="de-AT"/>
@@ -2563,7 +2581,8 @@
           <a:p>
             <a:fld id="{E4E22B9F-3C64-4D39-BB36-AEEAA5B31D5F}" type="datetimeFigureOut">
               <a:rPr lang="de-AT" smtClean="0"/>
-              <a:t>22.01.2014</a:t>
+              <a:pPr/>
+              <a:t>28.01.2014</a:t>
             </a:fld>
             <a:endParaRPr lang="de-AT"/>
           </a:p>
@@ -2610,6 +2629,7 @@
           <a:p>
             <a:fld id="{99D2CEB2-CD1F-4454-AA0E-56F040CE6547}" type="slidenum">
               <a:rPr lang="de-AT" smtClean="0"/>
+              <a:pPr/>
               <a:t>‹Nr.›</a:t>
             </a:fld>
             <a:endParaRPr lang="de-AT"/>
@@ -2822,7 +2842,8 @@
           <a:p>
             <a:fld id="{E4E22B9F-3C64-4D39-BB36-AEEAA5B31D5F}" type="datetimeFigureOut">
               <a:rPr lang="de-AT" smtClean="0"/>
-              <a:t>22.01.2014</a:t>
+              <a:pPr/>
+              <a:t>28.01.2014</a:t>
             </a:fld>
             <a:endParaRPr lang="de-AT"/>
           </a:p>
@@ -2864,6 +2885,7 @@
           <a:p>
             <a:fld id="{99D2CEB2-CD1F-4454-AA0E-56F040CE6547}" type="slidenum">
               <a:rPr lang="de-AT" smtClean="0"/>
+              <a:pPr/>
               <a:t>‹Nr.›</a:t>
             </a:fld>
             <a:endParaRPr lang="de-AT"/>
@@ -3226,7 +3248,8 @@
           <a:p>
             <a:fld id="{E4E22B9F-3C64-4D39-BB36-AEEAA5B31D5F}" type="datetimeFigureOut">
               <a:rPr lang="de-AT" smtClean="0"/>
-              <a:t>22.01.2014</a:t>
+              <a:pPr/>
+              <a:t>28.01.2014</a:t>
             </a:fld>
             <a:endParaRPr lang="de-AT"/>
           </a:p>
@@ -3304,6 +3327,7 @@
           <a:p>
             <a:fld id="{99D2CEB2-CD1F-4454-AA0E-56F040CE6547}" type="slidenum">
               <a:rPr lang="de-AT" smtClean="0"/>
+              <a:pPr/>
               <a:t>‹Nr.›</a:t>
             </a:fld>
             <a:endParaRPr lang="de-AT"/>
@@ -3816,13 +3840,8 @@
           <a:p>
             <a:r>
               <a:rPr lang="de-AT" dirty="0" smtClean="0"/>
-              <a:t>Spiel </a:t>
-            </a:r>
-            <a:r>
-              <a:rPr lang="de-AT" dirty="0" smtClean="0"/>
-              <a:t>starten</a:t>
-            </a:r>
-            <a:endParaRPr lang="de-AT" dirty="0" smtClean="0"/>
+              <a:t>Spiel starten</a:t>
+            </a:r>
           </a:p>
           <a:p>
             <a:r>
@@ -3924,13 +3943,8 @@
           <a:p>
             <a:r>
               <a:rPr lang="de-AT" dirty="0" smtClean="0"/>
-              <a:t>Welche Klassen von XNA wurden </a:t>
-            </a:r>
-            <a:r>
-              <a:rPr lang="de-AT" dirty="0" err="1" smtClean="0"/>
-              <a:t>verwednet</a:t>
-            </a:r>
-            <a:endParaRPr lang="de-AT" dirty="0" smtClean="0"/>
+              <a:t>Welche Klassen von XNA wurden verwendet</a:t>
+            </a:r>
           </a:p>
           <a:p>
             <a:r>
@@ -4019,7 +4033,7 @@
           <a:p>
             <a:r>
               <a:rPr lang="de-AT" dirty="0" smtClean="0"/>
-              <a:t>Charakter soll schießen können( zielen mit der Maus ) </a:t>
+              <a:t>Charakter soll schießen können(zielen mit der Maus ) </a:t>
             </a:r>
           </a:p>
           <a:p>
@@ -4037,7 +4051,6 @@
               <a:rPr lang="de-AT" dirty="0" smtClean="0"/>
               <a:t> anzeigen</a:t>
             </a:r>
-            <a:endParaRPr lang="de-AT" dirty="0" smtClean="0"/>
           </a:p>
           <a:p>
             <a:r>
@@ -4123,7 +4136,6 @@
               <a:rPr lang="nn-NO" dirty="0" smtClean="0"/>
               <a:t>XNA – Game – Studio von Microsoft Visual Studio (NET Framework 4.0). </a:t>
             </a:r>
-            <a:endParaRPr lang="nn-NO" dirty="0" smtClean="0"/>
           </a:p>
           <a:p>
             <a:r>
@@ -4181,7 +4193,7 @@
           <a:p>
             <a:r>
               <a:rPr lang="de-AT" dirty="0" smtClean="0"/>
-              <a:t>Animationen</a:t>
+              <a:t>Klassenstruktur (Baum)</a:t>
             </a:r>
             <a:endParaRPr lang="de-AT" dirty="0"/>
           </a:p>
@@ -4189,9 +4201,9 @@
       </p:sp>
       <p:pic>
         <p:nvPicPr>
-          <p:cNvPr id="2050" name="Picture 2" descr="C:\Users\Clemens\Desktop\Jump_Run\Game\Jump_n_Run\Jump_n_Run\Jump_n_RunContent\Images\gameobjects\Runv2.png"/>
+          <p:cNvPr id="4" name="Inhaltsplatzhalter 3" descr="Klassendiagramm.png"/>
           <p:cNvPicPr>
-            <a:picLocks noGrp="1" noChangeAspect="1" noChangeArrowheads="1"/>
+            <a:picLocks noGrp="1" noChangeAspect="1"/>
           </p:cNvPicPr>
           <p:nvPr>
             <p:ph idx="1"/>
@@ -4199,54 +4211,17 @@
         </p:nvPicPr>
         <p:blipFill>
           <a:blip r:embed="rId2" cstate="print"/>
-          <a:srcRect/>
           <a:stretch>
             <a:fillRect/>
           </a:stretch>
         </p:blipFill>
-        <p:spPr bwMode="auto">
+        <p:spPr>
           <a:xfrm>
-            <a:off x="323528" y="2204864"/>
-            <a:ext cx="8408811" cy="904174"/>
+            <a:off x="1331640" y="1700808"/>
+            <a:ext cx="6617178" cy="4504855"/>
           </a:xfrm>
-          <a:prstGeom prst="rect">
-            <a:avLst/>
-          </a:prstGeom>
-          <a:noFill/>
         </p:spPr>
       </p:pic>
-      <p:sp>
-        <p:nvSpPr>
-          <p:cNvPr id="5" name="Textfeld 4"/>
-          <p:cNvSpPr txBox="1"/>
-          <p:nvPr/>
-        </p:nvSpPr>
-        <p:spPr>
-          <a:xfrm>
-            <a:off x="1763688" y="3861048"/>
-            <a:ext cx="5688632" cy="646331"/>
-          </a:xfrm>
-          <a:prstGeom prst="rect">
-            <a:avLst/>
-          </a:prstGeom>
-          <a:noFill/>
-        </p:spPr>
-        <p:txBody>
-          <a:bodyPr wrap="square" rtlCol="0">
-            <a:spAutoFit/>
-          </a:bodyPr>
-          <a:lstStyle/>
-          <a:p>
-            <a:r>
-              <a:rPr lang="de-AT" dirty="0" smtClean="0"/>
-              <a:t>Erklärung!!!!</a:t>
-            </a:r>
-          </a:p>
-          <a:p>
-            <a:endParaRPr lang="de-AT" dirty="0"/>
-          </a:p>
-        </p:txBody>
-      </p:sp>
     </p:spTree>
   </p:cSld>
   <p:clrMapOvr>
@@ -4289,26 +4264,67 @@
           <a:p>
             <a:r>
               <a:rPr lang="de-AT" dirty="0" smtClean="0"/>
-              <a:t>Items</a:t>
+              <a:t>Animationen</a:t>
             </a:r>
             <a:endParaRPr lang="de-AT" dirty="0"/>
           </a:p>
         </p:txBody>
       </p:sp>
-      <p:sp>
-        <p:nvSpPr>
-          <p:cNvPr id="3" name="Inhaltsplatzhalter 2"/>
-          <p:cNvSpPr>
-            <a:spLocks noGrp="1"/>
-          </p:cNvSpPr>
+      <p:pic>
+        <p:nvPicPr>
+          <p:cNvPr id="2050" name="Picture 2" descr="C:\Users\Clemens\Desktop\Jump_Run\Game\Jump_n_Run\Jump_n_Run\Jump_n_RunContent\Images\gameobjects\Runv2.png"/>
+          <p:cNvPicPr>
+            <a:picLocks noGrp="1" noChangeAspect="1" noChangeArrowheads="1"/>
+          </p:cNvPicPr>
           <p:nvPr>
             <p:ph idx="1"/>
           </p:nvPr>
-        </p:nvSpPr>
-        <p:spPr/>
-        <p:txBody>
-          <a:bodyPr/>
-          <a:lstStyle/>
+        </p:nvPicPr>
+        <p:blipFill>
+          <a:blip r:embed="rId2" cstate="print"/>
+          <a:srcRect/>
+          <a:stretch>
+            <a:fillRect/>
+          </a:stretch>
+        </p:blipFill>
+        <p:spPr bwMode="auto">
+          <a:xfrm>
+            <a:off x="323528" y="2204864"/>
+            <a:ext cx="8408811" cy="904174"/>
+          </a:xfrm>
+          <a:prstGeom prst="rect">
+            <a:avLst/>
+          </a:prstGeom>
+          <a:noFill/>
+        </p:spPr>
+      </p:pic>
+      <p:sp>
+        <p:nvSpPr>
+          <p:cNvPr id="5" name="Textfeld 4"/>
+          <p:cNvSpPr txBox="1"/>
+          <p:nvPr/>
+        </p:nvSpPr>
+        <p:spPr>
+          <a:xfrm>
+            <a:off x="1763688" y="3861048"/>
+            <a:ext cx="5688632" cy="646331"/>
+          </a:xfrm>
+          <a:prstGeom prst="rect">
+            <a:avLst/>
+          </a:prstGeom>
+          <a:noFill/>
+        </p:spPr>
+        <p:txBody>
+          <a:bodyPr wrap="square" rtlCol="0">
+            <a:spAutoFit/>
+          </a:bodyPr>
+          <a:lstStyle/>
+          <a:p>
+            <a:r>
+              <a:rPr lang="de-AT" dirty="0" smtClean="0"/>
+              <a:t>Erklärung!!!!</a:t>
+            </a:r>
+          </a:p>
           <a:p>
             <a:endParaRPr lang="de-AT" dirty="0"/>
           </a:p>
@@ -4356,7 +4372,7 @@
           <a:p>
             <a:r>
               <a:rPr lang="de-AT" dirty="0" smtClean="0"/>
-              <a:t>Klassenstruktur (Baum)</a:t>
+              <a:t>Items</a:t>
             </a:r>
             <a:endParaRPr lang="de-AT" dirty="0"/>
           </a:p>
@@ -4377,7 +4393,7 @@
           <a:bodyPr/>
           <a:lstStyle/>
           <a:p>
-            <a:endParaRPr lang="de-AT"/>
+            <a:endParaRPr lang="de-AT" dirty="0"/>
           </a:p>
         </p:txBody>
       </p:sp>

--- a/Präsentation/Jump And Run.pptx
+++ b/Präsentation/Jump And Run.pptx
@@ -3937,34 +3937,57 @@
           <a:p>
             <a:r>
               <a:rPr lang="de-AT" dirty="0" smtClean="0"/>
-              <a:t>Ab wo programmieren wir?</a:t>
-            </a:r>
+              <a:t>Kapselt Funktionen von DirectX 9.0</a:t>
+            </a:r>
+            <a:endParaRPr lang="de-AT" dirty="0" smtClean="0"/>
           </a:p>
           <a:p>
             <a:r>
               <a:rPr lang="de-AT" dirty="0" smtClean="0"/>
-              <a:t>Welche Klassen von XNA wurden verwendet</a:t>
-            </a:r>
-          </a:p>
-          <a:p>
+              <a:t>2D: </a:t>
+            </a:r>
+            <a:r>
+              <a:rPr lang="de-AT" dirty="0" err="1" smtClean="0"/>
+              <a:t>SpriteBatch</a:t>
+            </a:r>
             <a:r>
               <a:rPr lang="de-AT" dirty="0" smtClean="0"/>
-              <a:t>Schnittstellen zu XNA </a:t>
-            </a:r>
-          </a:p>
-          <a:p>
+              <a:t>, </a:t>
+            </a:r>
+            <a:r>
+              <a:rPr lang="de-AT" dirty="0" err="1" smtClean="0"/>
+              <a:t>Texture</a:t>
+            </a:r>
+            <a:r>
+              <a:rPr lang="de-AT" dirty="0" smtClean="0"/>
+              <a:t>, </a:t>
+            </a:r>
+            <a:r>
+              <a:rPr lang="de-AT" dirty="0" err="1" smtClean="0"/>
+              <a:t>Rectangle</a:t>
+            </a:r>
+            <a:endParaRPr lang="de-AT" dirty="0"/>
+          </a:p>
+          <a:p>
+            <a:r>
+              <a:rPr lang="de-AT" dirty="0" smtClean="0"/>
+              <a:t>Kollision: </a:t>
+            </a:r>
+            <a:r>
+              <a:rPr lang="de-AT" dirty="0" err="1" smtClean="0"/>
+              <a:t>Rectangle</a:t>
+            </a:r>
+            <a:r>
+              <a:rPr lang="de-AT" dirty="0" smtClean="0"/>
+              <a:t>-Methoden</a:t>
+            </a:r>
             <a:endParaRPr lang="de-AT" dirty="0" smtClean="0"/>
           </a:p>
           <a:p>
-            <a:r>
-              <a:rPr lang="de-AT" dirty="0" err="1" smtClean="0"/>
-              <a:t>Vl</a:t>
-            </a:r>
-            <a:r>
-              <a:rPr lang="de-AT" dirty="0" smtClean="0"/>
-              <a:t>. DOM Baum erklären</a:t>
-            </a:r>
-            <a:endParaRPr lang="de-AT" dirty="0"/>
+            <a:pPr marL="36576" indent="0">
+              <a:buNone/>
+            </a:pPr>
+            <a:endParaRPr lang="de-AT" dirty="0" smtClean="0"/>
           </a:p>
         </p:txBody>
       </p:sp>

--- a/Präsentation/Jump And Run.pptx
+++ b/Präsentation/Jump And Run.pptx
@@ -7,14 +7,16 @@
   <p:sldIdLst>
     <p:sldId id="256" r:id="rId2"/>
     <p:sldId id="257" r:id="rId3"/>
-    <p:sldId id="265" r:id="rId4"/>
-    <p:sldId id="258" r:id="rId5"/>
-    <p:sldId id="259" r:id="rId6"/>
-    <p:sldId id="262" r:id="rId7"/>
-    <p:sldId id="260" r:id="rId8"/>
-    <p:sldId id="261" r:id="rId9"/>
-    <p:sldId id="263" r:id="rId10"/>
+    <p:sldId id="259" r:id="rId4"/>
+    <p:sldId id="265" r:id="rId5"/>
+    <p:sldId id="262" r:id="rId6"/>
+    <p:sldId id="260" r:id="rId7"/>
+    <p:sldId id="263" r:id="rId8"/>
+    <p:sldId id="267" r:id="rId9"/>
+    <p:sldId id="261" r:id="rId10"/>
     <p:sldId id="264" r:id="rId11"/>
+    <p:sldId id="258" r:id="rId12"/>
+    <p:sldId id="266" r:id="rId13"/>
   </p:sldIdLst>
   <p:sldSz cx="9144000" cy="6858000" type="screen4x3"/>
   <p:notesSz cx="6858000" cy="9144000"/>
@@ -3711,6 +3713,13 @@
   <p:clrMapOvr>
     <a:masterClrMapping/>
   </p:clrMapOvr>
+  <p:timing>
+    <p:tnLst>
+      <p:par>
+        <p:cTn id="1" dur="indefinite" restart="never" nodeType="tmRoot"/>
+      </p:par>
+    </p:tnLst>
+  </p:timing>
 </p:sld>
 </file>
 
@@ -3769,7 +3778,7 @@
           <a:bodyPr/>
           <a:lstStyle/>
           <a:p>
-            <a:endParaRPr lang="de-AT"/>
+            <a:endParaRPr lang="de-AT" dirty="0"/>
           </a:p>
         </p:txBody>
       </p:sp>
@@ -3778,6 +3787,212 @@
   <p:clrMapOvr>
     <a:masterClrMapping/>
   </p:clrMapOvr>
+  <p:timing>
+    <p:tnLst>
+      <p:par>
+        <p:cTn id="1" dur="indefinite" restart="never" nodeType="tmRoot"/>
+      </p:par>
+    </p:tnLst>
+  </p:timing>
+</p:sld>
+</file>
+
+<file path=ppt/slides/slide11.xml><?xml version="1.0" encoding="utf-8"?>
+<p:sld xmlns:a="http://schemas.openxmlformats.org/drawingml/2006/main" xmlns:r="http://schemas.openxmlformats.org/officeDocument/2006/relationships" xmlns:p="http://schemas.openxmlformats.org/presentationml/2006/main">
+  <p:cSld>
+    <p:spTree>
+      <p:nvGrpSpPr>
+        <p:cNvPr id="1" name=""/>
+        <p:cNvGrpSpPr/>
+        <p:nvPr/>
+      </p:nvGrpSpPr>
+      <p:grpSpPr>
+        <a:xfrm>
+          <a:off x="0" y="0"/>
+          <a:ext cx="0" cy="0"/>
+          <a:chOff x="0" y="0"/>
+          <a:chExt cx="0" cy="0"/>
+        </a:xfrm>
+      </p:grpSpPr>
+      <p:sp>
+        <p:nvSpPr>
+          <p:cNvPr id="2" name="Titel 1"/>
+          <p:cNvSpPr>
+            <a:spLocks noGrp="1"/>
+          </p:cNvSpPr>
+          <p:nvPr>
+            <p:ph type="title"/>
+          </p:nvPr>
+        </p:nvSpPr>
+        <p:spPr/>
+        <p:txBody>
+          <a:bodyPr/>
+          <a:lstStyle/>
+          <a:p>
+            <a:r>
+              <a:rPr lang="de-AT" dirty="0" err="1" smtClean="0"/>
+              <a:t>Kannkriterien</a:t>
+            </a:r>
+            <a:endParaRPr lang="de-AT" dirty="0"/>
+          </a:p>
+        </p:txBody>
+      </p:sp>
+      <p:sp>
+        <p:nvSpPr>
+          <p:cNvPr id="3" name="Inhaltsplatzhalter 2"/>
+          <p:cNvSpPr>
+            <a:spLocks noGrp="1"/>
+          </p:cNvSpPr>
+          <p:nvPr>
+            <p:ph idx="1"/>
+          </p:nvPr>
+        </p:nvSpPr>
+        <p:spPr/>
+        <p:txBody>
+          <a:bodyPr/>
+          <a:lstStyle/>
+          <a:p>
+            <a:r>
+              <a:rPr lang="de-AT" dirty="0" smtClean="0"/>
+              <a:t>Charakter soll schießen können(zielen mit der Maus ) </a:t>
+            </a:r>
+          </a:p>
+          <a:p>
+            <a:r>
+              <a:rPr lang="de-AT" dirty="0" smtClean="0"/>
+              <a:t>Spiel speichern</a:t>
+            </a:r>
+          </a:p>
+          <a:p>
+            <a:r>
+              <a:rPr lang="de-AT" dirty="0" err="1" smtClean="0"/>
+              <a:t>Highscore</a:t>
+            </a:r>
+            <a:r>
+              <a:rPr lang="de-AT" dirty="0" smtClean="0"/>
+              <a:t> anzeigen</a:t>
+            </a:r>
+          </a:p>
+          <a:p>
+            <a:r>
+              <a:rPr lang="de-AT" dirty="0" smtClean="0"/>
+              <a:t>Upgrades (schneller laufen, höher springen, mehr Leben usw.) </a:t>
+            </a:r>
+          </a:p>
+          <a:p>
+            <a:r>
+              <a:rPr lang="de-AT" dirty="0" smtClean="0"/>
+              <a:t>verschiedene Level </a:t>
+            </a:r>
+          </a:p>
+          <a:p>
+            <a:endParaRPr lang="de-AT" dirty="0"/>
+          </a:p>
+        </p:txBody>
+      </p:sp>
+    </p:spTree>
+  </p:cSld>
+  <p:clrMapOvr>
+    <a:masterClrMapping/>
+  </p:clrMapOvr>
+  <p:timing>
+    <p:tnLst>
+      <p:par>
+        <p:cTn id="1" dur="indefinite" restart="never" nodeType="tmRoot"/>
+      </p:par>
+    </p:tnLst>
+  </p:timing>
+</p:sld>
+</file>
+
+<file path=ppt/slides/slide12.xml><?xml version="1.0" encoding="utf-8"?>
+<p:sld xmlns:a="http://schemas.openxmlformats.org/drawingml/2006/main" xmlns:r="http://schemas.openxmlformats.org/officeDocument/2006/relationships" xmlns:p="http://schemas.openxmlformats.org/presentationml/2006/main">
+  <p:cSld>
+    <p:spTree>
+      <p:nvGrpSpPr>
+        <p:cNvPr id="1" name=""/>
+        <p:cNvGrpSpPr/>
+        <p:nvPr/>
+      </p:nvGrpSpPr>
+      <p:grpSpPr>
+        <a:xfrm>
+          <a:off x="0" y="0"/>
+          <a:ext cx="0" cy="0"/>
+          <a:chOff x="0" y="0"/>
+          <a:chExt cx="0" cy="0"/>
+        </a:xfrm>
+      </p:grpSpPr>
+      <p:sp>
+        <p:nvSpPr>
+          <p:cNvPr id="3" name="Inhaltsplatzhalter 2"/>
+          <p:cNvSpPr>
+            <a:spLocks noGrp="1"/>
+          </p:cNvSpPr>
+          <p:nvPr>
+            <p:ph idx="1"/>
+          </p:nvPr>
+        </p:nvSpPr>
+        <p:spPr>
+          <a:xfrm>
+            <a:off x="395536" y="332656"/>
+            <a:ext cx="8291264" cy="2260848"/>
+          </a:xfrm>
+        </p:spPr>
+        <p:txBody>
+          <a:bodyPr>
+            <a:noAutofit/>
+          </a:bodyPr>
+          <a:lstStyle/>
+          <a:p>
+            <a:pPr algn="ctr">
+              <a:buNone/>
+            </a:pPr>
+            <a:r>
+              <a:rPr lang="de-AT" sz="5000" dirty="0" smtClean="0"/>
+              <a:t>Vielen Dank für Ihre Aufmerksamkeit</a:t>
+            </a:r>
+            <a:endParaRPr lang="de-AT" sz="5000" dirty="0"/>
+          </a:p>
+        </p:txBody>
+      </p:sp>
+      <p:pic>
+        <p:nvPicPr>
+          <p:cNvPr id="3074" name="Picture 2" descr="C:\Users\Luki\Documents\GitHub\Jump_Run\Präsentation\Game.JPG"/>
+          <p:cNvPicPr>
+            <a:picLocks noChangeAspect="1" noChangeArrowheads="1"/>
+          </p:cNvPicPr>
+          <p:nvPr/>
+        </p:nvPicPr>
+        <p:blipFill>
+          <a:blip r:embed="rId2" cstate="print"/>
+          <a:srcRect/>
+          <a:stretch>
+            <a:fillRect/>
+          </a:stretch>
+        </p:blipFill>
+        <p:spPr bwMode="auto">
+          <a:xfrm>
+            <a:off x="1619672" y="2049052"/>
+            <a:ext cx="5976664" cy="4646598"/>
+          </a:xfrm>
+          <a:prstGeom prst="rect">
+            <a:avLst/>
+          </a:prstGeom>
+          <a:noFill/>
+        </p:spPr>
+      </p:pic>
+    </p:spTree>
+  </p:cSld>
+  <p:clrMapOvr>
+    <a:masterClrMapping/>
+  </p:clrMapOvr>
+  <p:timing>
+    <p:tnLst>
+      <p:par>
+        <p:cTn id="1" dur="indefinite" restart="never" nodeType="tmRoot"/>
+      </p:par>
+    </p:tnLst>
+  </p:timing>
 </p:sld>
 </file>
 
@@ -3877,6 +4092,13 @@
   <p:clrMapOvr>
     <a:masterClrMapping/>
   </p:clrMapOvr>
+  <p:timing>
+    <p:tnLst>
+      <p:par>
+        <p:cTn id="1" dur="indefinite" restart="never" nodeType="tmRoot"/>
+      </p:par>
+    </p:tnLst>
+  </p:timing>
 </p:sld>
 </file>
 
@@ -3914,7 +4136,7 @@
           <a:p>
             <a:r>
               <a:rPr lang="de-AT" dirty="0" smtClean="0"/>
-              <a:t>XNA</a:t>
+              <a:t>Produktumgebung</a:t>
             </a:r>
             <a:endParaRPr lang="de-AT" dirty="0"/>
           </a:p>
@@ -3936,58 +4158,21 @@
           <a:lstStyle/>
           <a:p>
             <a:r>
-              <a:rPr lang="de-AT" dirty="0" smtClean="0"/>
-              <a:t>Kapselt Funktionen von DirectX 9.0</a:t>
-            </a:r>
-            <a:endParaRPr lang="de-AT" dirty="0" smtClean="0"/>
-          </a:p>
-          <a:p>
-            <a:r>
-              <a:rPr lang="de-AT" dirty="0" smtClean="0"/>
-              <a:t>2D: </a:t>
-            </a:r>
-            <a:r>
-              <a:rPr lang="de-AT" dirty="0" err="1" smtClean="0"/>
-              <a:t>SpriteBatch</a:t>
-            </a:r>
-            <a:r>
-              <a:rPr lang="de-AT" dirty="0" smtClean="0"/>
-              <a:t>, </a:t>
-            </a:r>
-            <a:r>
-              <a:rPr lang="de-AT" dirty="0" err="1" smtClean="0"/>
-              <a:t>Texture</a:t>
-            </a:r>
-            <a:r>
-              <a:rPr lang="de-AT" dirty="0" smtClean="0"/>
-              <a:t>, </a:t>
-            </a:r>
-            <a:r>
-              <a:rPr lang="de-AT" dirty="0" err="1" smtClean="0"/>
-              <a:t>Rectangle</a:t>
-            </a:r>
-            <a:endParaRPr lang="de-AT" dirty="0"/>
-          </a:p>
-          <a:p>
-            <a:r>
-              <a:rPr lang="de-AT" dirty="0" smtClean="0"/>
-              <a:t>Kollision: </a:t>
-            </a:r>
-            <a:r>
-              <a:rPr lang="de-AT" dirty="0" err="1" smtClean="0"/>
-              <a:t>Rectangle</a:t>
-            </a:r>
-            <a:r>
-              <a:rPr lang="de-AT" dirty="0" smtClean="0"/>
-              <a:t>-Methoden</a:t>
-            </a:r>
-            <a:endParaRPr lang="de-AT" dirty="0" smtClean="0"/>
-          </a:p>
-          <a:p>
-            <a:pPr marL="36576" indent="0">
+              <a:rPr lang="nn-NO" dirty="0" smtClean="0"/>
+              <a:t>XNA – Game – Studio von Microsoft Visual Studio (NET Framework 4.0). </a:t>
+            </a:r>
+          </a:p>
+          <a:p>
+            <a:r>
+              <a:rPr lang="nn-NO" dirty="0" smtClean="0"/>
+              <a:t>Programmiersprache: C#</a:t>
+            </a:r>
+          </a:p>
+          <a:p>
+            <a:pPr>
               <a:buNone/>
             </a:pPr>
-            <a:endParaRPr lang="de-AT" dirty="0" smtClean="0"/>
+            <a:endParaRPr lang="de-AT" dirty="0"/>
           </a:p>
         </p:txBody>
       </p:sp>
@@ -3996,6 +4181,13 @@
   <p:clrMapOvr>
     <a:masterClrMapping/>
   </p:clrMapOvr>
+  <p:timing>
+    <p:tnLst>
+      <p:par>
+        <p:cTn id="1" dur="indefinite" restart="never" nodeType="tmRoot"/>
+      </p:par>
+    </p:tnLst>
+  </p:timing>
 </p:sld>
 </file>
 
@@ -4032,63 +4224,79 @@
           <a:lstStyle/>
           <a:p>
             <a:r>
+              <a:rPr lang="de-AT" dirty="0" smtClean="0"/>
+              <a:t>XNA</a:t>
+            </a:r>
+            <a:endParaRPr lang="de-AT" dirty="0"/>
+          </a:p>
+        </p:txBody>
+      </p:sp>
+      <p:sp>
+        <p:nvSpPr>
+          <p:cNvPr id="3" name="Inhaltsplatzhalter 2"/>
+          <p:cNvSpPr>
+            <a:spLocks noGrp="1"/>
+          </p:cNvSpPr>
+          <p:nvPr>
+            <p:ph idx="1"/>
+          </p:nvPr>
+        </p:nvSpPr>
+        <p:spPr/>
+        <p:txBody>
+          <a:bodyPr/>
+          <a:lstStyle/>
+          <a:p>
+            <a:r>
+              <a:rPr lang="de-AT" dirty="0" smtClean="0"/>
+              <a:t>Kapselt Funktionen von DirectX 9.0</a:t>
+            </a:r>
+          </a:p>
+          <a:p>
+            <a:r>
+              <a:rPr lang="de-AT" dirty="0" smtClean="0"/>
+              <a:t>2D: </a:t>
+            </a:r>
+            <a:r>
               <a:rPr lang="de-AT" dirty="0" err="1" smtClean="0"/>
-              <a:t>Kannkriterien</a:t>
+              <a:t>SpriteBatch</a:t>
+            </a:r>
+            <a:r>
+              <a:rPr lang="de-AT" dirty="0" smtClean="0"/>
+              <a:t>, </a:t>
+            </a:r>
+            <a:r>
+              <a:rPr lang="de-AT" dirty="0" err="1" smtClean="0"/>
+              <a:t>Texture</a:t>
+            </a:r>
+            <a:r>
+              <a:rPr lang="de-AT" dirty="0" smtClean="0"/>
+              <a:t>, </a:t>
+            </a:r>
+            <a:r>
+              <a:rPr lang="de-AT" dirty="0" err="1" smtClean="0"/>
+              <a:t>Rectangle</a:t>
             </a:r>
             <a:endParaRPr lang="de-AT" dirty="0"/>
           </a:p>
-        </p:txBody>
-      </p:sp>
-      <p:sp>
-        <p:nvSpPr>
-          <p:cNvPr id="3" name="Inhaltsplatzhalter 2"/>
-          <p:cNvSpPr>
-            <a:spLocks noGrp="1"/>
-          </p:cNvSpPr>
-          <p:nvPr>
-            <p:ph idx="1"/>
-          </p:nvPr>
-        </p:nvSpPr>
-        <p:spPr/>
-        <p:txBody>
-          <a:bodyPr/>
-          <a:lstStyle/>
           <a:p>
             <a:r>
               <a:rPr lang="de-AT" dirty="0" smtClean="0"/>
-              <a:t>Charakter soll schießen können(zielen mit der Maus ) </a:t>
-            </a:r>
-          </a:p>
-          <a:p>
+              <a:t>Kollision: </a:t>
+            </a:r>
+            <a:r>
+              <a:rPr lang="de-AT" dirty="0" err="1" smtClean="0"/>
+              <a:t>Rectangle</a:t>
+            </a:r>
             <a:r>
               <a:rPr lang="de-AT" dirty="0" smtClean="0"/>
-              <a:t>Spiel speichern</a:t>
-            </a:r>
-          </a:p>
-          <a:p>
-            <a:r>
-              <a:rPr lang="de-AT" dirty="0" err="1" smtClean="0"/>
-              <a:t>Highscore</a:t>
-            </a:r>
-            <a:r>
-              <a:rPr lang="de-AT" dirty="0" smtClean="0"/>
-              <a:t> anzeigen</a:t>
-            </a:r>
-          </a:p>
-          <a:p>
-            <a:r>
-              <a:rPr lang="de-AT" dirty="0" smtClean="0"/>
-              <a:t>Upgrades (schneller laufen, höher springen, mehr Leben usw.) </a:t>
-            </a:r>
-          </a:p>
-          <a:p>
-            <a:r>
-              <a:rPr lang="de-AT" dirty="0" smtClean="0"/>
-              <a:t>verschiedene Level </a:t>
-            </a:r>
-          </a:p>
-          <a:p>
-            <a:endParaRPr lang="de-AT" dirty="0"/>
+              <a:t>-Methoden</a:t>
+            </a:r>
+          </a:p>
+          <a:p>
+            <a:pPr marL="36576" indent="0">
+              <a:buNone/>
+            </a:pPr>
+            <a:endParaRPr lang="de-AT" dirty="0" smtClean="0"/>
           </a:p>
         </p:txBody>
       </p:sp>
@@ -4097,6 +4305,13 @@
   <p:clrMapOvr>
     <a:masterClrMapping/>
   </p:clrMapOvr>
+  <p:timing>
+    <p:tnLst>
+      <p:par>
+        <p:cTn id="1" dur="indefinite" restart="never" nodeType="tmRoot"/>
+      </p:par>
+    </p:tnLst>
+  </p:timing>
 </p:sld>
 </file>
 
@@ -4133,52 +4348,48 @@
           <a:lstStyle/>
           <a:p>
             <a:r>
-              <a:rPr lang="de-AT" dirty="0" err="1" smtClean="0"/>
-              <a:t>Produkumgebung</a:t>
+              <a:rPr lang="de-AT" dirty="0" smtClean="0"/>
+              <a:t>Klassenstruktur (Baum)</a:t>
             </a:r>
             <a:endParaRPr lang="de-AT" dirty="0"/>
           </a:p>
         </p:txBody>
       </p:sp>
-      <p:sp>
-        <p:nvSpPr>
-          <p:cNvPr id="3" name="Inhaltsplatzhalter 2"/>
-          <p:cNvSpPr>
-            <a:spLocks noGrp="1"/>
-          </p:cNvSpPr>
+      <p:pic>
+        <p:nvPicPr>
+          <p:cNvPr id="4" name="Inhaltsplatzhalter 3" descr="Klassendiagramm.png"/>
+          <p:cNvPicPr>
+            <a:picLocks noGrp="1" noChangeAspect="1"/>
+          </p:cNvPicPr>
           <p:nvPr>
             <p:ph idx="1"/>
           </p:nvPr>
-        </p:nvSpPr>
-        <p:spPr/>
-        <p:txBody>
-          <a:bodyPr/>
-          <a:lstStyle/>
-          <a:p>
-            <a:r>
-              <a:rPr lang="nn-NO" dirty="0" smtClean="0"/>
-              <a:t>XNA – Game – Studio von Microsoft Visual Studio (NET Framework 4.0). </a:t>
-            </a:r>
-          </a:p>
-          <a:p>
-            <a:r>
-              <a:rPr lang="nn-NO" dirty="0" smtClean="0"/>
-              <a:t>Programmiersprache: C#</a:t>
-            </a:r>
-          </a:p>
-          <a:p>
-            <a:pPr>
-              <a:buNone/>
-            </a:pPr>
-            <a:endParaRPr lang="de-AT" dirty="0"/>
-          </a:p>
-        </p:txBody>
-      </p:sp>
+        </p:nvPicPr>
+        <p:blipFill>
+          <a:blip r:embed="rId2" cstate="print"/>
+          <a:stretch>
+            <a:fillRect/>
+          </a:stretch>
+        </p:blipFill>
+        <p:spPr>
+          <a:xfrm>
+            <a:off x="1331640" y="1700808"/>
+            <a:ext cx="6617178" cy="4504855"/>
+          </a:xfrm>
+        </p:spPr>
+      </p:pic>
     </p:spTree>
   </p:cSld>
   <p:clrMapOvr>
     <a:masterClrMapping/>
   </p:clrMapOvr>
+  <p:timing>
+    <p:tnLst>
+      <p:par>
+        <p:cTn id="1" dur="indefinite" restart="never" nodeType="tmRoot"/>
+      </p:par>
+    </p:tnLst>
+  </p:timing>
 </p:sld>
 </file>
 
@@ -4216,7 +4427,7 @@
           <a:p>
             <a:r>
               <a:rPr lang="de-AT" dirty="0" smtClean="0"/>
-              <a:t>Klassenstruktur (Baum)</a:t>
+              <a:t>Animationen</a:t>
             </a:r>
             <a:endParaRPr lang="de-AT" dirty="0"/>
           </a:p>
@@ -4224,9 +4435,9 @@
       </p:sp>
       <p:pic>
         <p:nvPicPr>
-          <p:cNvPr id="4" name="Inhaltsplatzhalter 3" descr="Klassendiagramm.png"/>
+          <p:cNvPr id="2050" name="Picture 2" descr="C:\Users\Clemens\Desktop\Jump_Run\Game\Jump_n_Run\Jump_n_Run\Jump_n_RunContent\Images\gameobjects\Runv2.png"/>
           <p:cNvPicPr>
-            <a:picLocks noGrp="1" noChangeAspect="1"/>
+            <a:picLocks noGrp="1" noChangeAspect="1" noChangeArrowheads="1"/>
           </p:cNvPicPr>
           <p:nvPr>
             <p:ph idx="1"/>
@@ -4234,15 +4445,46 @@
         </p:nvPicPr>
         <p:blipFill>
           <a:blip r:embed="rId2" cstate="print"/>
+          <a:srcRect/>
           <a:stretch>
             <a:fillRect/>
           </a:stretch>
         </p:blipFill>
-        <p:spPr>
+        <p:spPr bwMode="auto">
           <a:xfrm>
-            <a:off x="1331640" y="1700808"/>
-            <a:ext cx="6617178" cy="4504855"/>
+            <a:off x="323528" y="1988840"/>
+            <a:ext cx="8408811" cy="904174"/>
           </a:xfrm>
+          <a:prstGeom prst="rect">
+            <a:avLst/>
+          </a:prstGeom>
+          <a:noFill/>
+        </p:spPr>
+      </p:pic>
+      <p:pic>
+        <p:nvPicPr>
+          <p:cNvPr id="1026" name="Picture 2" descr="C:\Users\Luki\Desktop\Run-Animation.JPG"/>
+          <p:cNvPicPr>
+            <a:picLocks noChangeAspect="1" noChangeArrowheads="1"/>
+          </p:cNvPicPr>
+          <p:nvPr/>
+        </p:nvPicPr>
+        <p:blipFill>
+          <a:blip r:embed="rId3" cstate="print"/>
+          <a:srcRect/>
+          <a:stretch>
+            <a:fillRect/>
+          </a:stretch>
+        </p:blipFill>
+        <p:spPr bwMode="auto">
+          <a:xfrm>
+            <a:off x="467544" y="3573016"/>
+            <a:ext cx="7879191" cy="1944216"/>
+          </a:xfrm>
+          <a:prstGeom prst="rect">
+            <a:avLst/>
+          </a:prstGeom>
+          <a:noFill/>
         </p:spPr>
       </p:pic>
     </p:spTree>
@@ -4250,6 +4492,13 @@
   <p:clrMapOvr>
     <a:masterClrMapping/>
   </p:clrMapOvr>
+  <p:timing>
+    <p:tnLst>
+      <p:par>
+        <p:cTn id="1" dur="indefinite" restart="never" nodeType="tmRoot"/>
+      </p:par>
+    </p:tnLst>
+  </p:timing>
 </p:sld>
 </file>
 
@@ -4287,69 +4536,28 @@
           <a:p>
             <a:r>
               <a:rPr lang="de-AT" dirty="0" smtClean="0"/>
-              <a:t>Animationen</a:t>
+              <a:t>Kollision</a:t>
             </a:r>
             <a:endParaRPr lang="de-AT" dirty="0"/>
           </a:p>
         </p:txBody>
       </p:sp>
-      <p:pic>
-        <p:nvPicPr>
-          <p:cNvPr id="2050" name="Picture 2" descr="C:\Users\Clemens\Desktop\Jump_Run\Game\Jump_n_Run\Jump_n_Run\Jump_n_RunContent\Images\gameobjects\Runv2.png"/>
-          <p:cNvPicPr>
-            <a:picLocks noGrp="1" noChangeAspect="1" noChangeArrowheads="1"/>
-          </p:cNvPicPr>
+      <p:sp>
+        <p:nvSpPr>
+          <p:cNvPr id="3" name="Inhaltsplatzhalter 2"/>
+          <p:cNvSpPr>
+            <a:spLocks noGrp="1"/>
+          </p:cNvSpPr>
           <p:nvPr>
             <p:ph idx="1"/>
           </p:nvPr>
-        </p:nvPicPr>
-        <p:blipFill>
-          <a:blip r:embed="rId2" cstate="print"/>
-          <a:srcRect/>
-          <a:stretch>
-            <a:fillRect/>
-          </a:stretch>
-        </p:blipFill>
-        <p:spPr bwMode="auto">
-          <a:xfrm>
-            <a:off x="323528" y="2204864"/>
-            <a:ext cx="8408811" cy="904174"/>
-          </a:xfrm>
-          <a:prstGeom prst="rect">
-            <a:avLst/>
-          </a:prstGeom>
-          <a:noFill/>
-        </p:spPr>
-      </p:pic>
-      <p:sp>
-        <p:nvSpPr>
-          <p:cNvPr id="5" name="Textfeld 4"/>
-          <p:cNvSpPr txBox="1"/>
-          <p:nvPr/>
-        </p:nvSpPr>
-        <p:spPr>
-          <a:xfrm>
-            <a:off x="1763688" y="3861048"/>
-            <a:ext cx="5688632" cy="646331"/>
-          </a:xfrm>
-          <a:prstGeom prst="rect">
-            <a:avLst/>
-          </a:prstGeom>
-          <a:noFill/>
-        </p:spPr>
-        <p:txBody>
-          <a:bodyPr wrap="square" rtlCol="0">
-            <a:spAutoFit/>
-          </a:bodyPr>
-          <a:lstStyle/>
-          <a:p>
-            <a:r>
-              <a:rPr lang="de-AT" dirty="0" smtClean="0"/>
-              <a:t>Erklärung!!!!</a:t>
-            </a:r>
-          </a:p>
-          <a:p>
-            <a:endParaRPr lang="de-AT" dirty="0"/>
+        </p:nvSpPr>
+        <p:spPr/>
+        <p:txBody>
+          <a:bodyPr/>
+          <a:lstStyle/>
+          <a:p>
+            <a:endParaRPr lang="de-AT"/>
           </a:p>
         </p:txBody>
       </p:sp>
@@ -4358,6 +4566,13 @@
   <p:clrMapOvr>
     <a:masterClrMapping/>
   </p:clrMapOvr>
+  <p:timing>
+    <p:tnLst>
+      <p:par>
+        <p:cTn id="1" dur="indefinite" restart="never" nodeType="tmRoot"/>
+      </p:par>
+    </p:tnLst>
+  </p:timing>
 </p:sld>
 </file>
 
@@ -4394,37 +4609,95 @@
           <a:lstStyle/>
           <a:p>
             <a:r>
+              <a:rPr lang="de-AT" dirty="0" err="1" smtClean="0"/>
+              <a:t>Sidescrolling</a:t>
+            </a:r>
+            <a:endParaRPr lang="de-AT" dirty="0"/>
+          </a:p>
+        </p:txBody>
+      </p:sp>
+      <p:sp>
+        <p:nvSpPr>
+          <p:cNvPr id="3" name="Inhaltsplatzhalter 2"/>
+          <p:cNvSpPr>
+            <a:spLocks noGrp="1"/>
+          </p:cNvSpPr>
+          <p:nvPr>
+            <p:ph idx="1"/>
+          </p:nvPr>
+        </p:nvSpPr>
+        <p:spPr/>
+        <p:txBody>
+          <a:bodyPr/>
+          <a:lstStyle/>
+          <a:p>
+            <a:r>
               <a:rPr lang="de-AT" dirty="0" smtClean="0"/>
-              <a:t>Items</a:t>
-            </a:r>
-            <a:endParaRPr lang="de-AT" dirty="0"/>
-          </a:p>
-        </p:txBody>
-      </p:sp>
-      <p:sp>
-        <p:nvSpPr>
-          <p:cNvPr id="3" name="Inhaltsplatzhalter 2"/>
-          <p:cNvSpPr>
-            <a:spLocks noGrp="1"/>
-          </p:cNvSpPr>
-          <p:nvPr>
-            <p:ph idx="1"/>
-          </p:nvPr>
-        </p:nvSpPr>
-        <p:spPr/>
-        <p:txBody>
-          <a:bodyPr/>
-          <a:lstStyle/>
-          <a:p>
-            <a:endParaRPr lang="de-AT" dirty="0"/>
-          </a:p>
-        </p:txBody>
-      </p:sp>
+              <a:t>Player </a:t>
+            </a:r>
+            <a:r>
+              <a:rPr lang="de-AT" dirty="0" err="1" smtClean="0"/>
+              <a:t>Rectangle</a:t>
+            </a:r>
+            <a:r>
+              <a:rPr lang="de-AT" dirty="0" smtClean="0"/>
+              <a:t> an bestimmter </a:t>
+            </a:r>
+            <a:r>
+              <a:rPr lang="de-AT" dirty="0" err="1" smtClean="0"/>
+              <a:t>Positon</a:t>
+            </a:r>
+            <a:r>
+              <a:rPr lang="de-AT" dirty="0" smtClean="0"/>
+              <a:t> =&gt; Hintergrund wird verschoben</a:t>
+            </a:r>
+          </a:p>
+          <a:p>
+            <a:pPr>
+              <a:buNone/>
+            </a:pPr>
+            <a:endParaRPr lang="de-AT" dirty="0" smtClean="0"/>
+          </a:p>
+        </p:txBody>
+      </p:sp>
+      <p:pic>
+        <p:nvPicPr>
+          <p:cNvPr id="4098" name="Picture 2" descr="C:\Users\Luki\Documents\GitHub\Jump_Run\Präsentation\Scrolling.JPG"/>
+          <p:cNvPicPr>
+            <a:picLocks noChangeAspect="1" noChangeArrowheads="1"/>
+          </p:cNvPicPr>
+          <p:nvPr/>
+        </p:nvPicPr>
+        <p:blipFill>
+          <a:blip r:embed="rId2" cstate="print"/>
+          <a:srcRect/>
+          <a:stretch>
+            <a:fillRect/>
+          </a:stretch>
+        </p:blipFill>
+        <p:spPr bwMode="auto">
+          <a:xfrm>
+            <a:off x="219486" y="3140968"/>
+            <a:ext cx="8838789" cy="2899792"/>
+          </a:xfrm>
+          <a:prstGeom prst="rect">
+            <a:avLst/>
+          </a:prstGeom>
+          <a:noFill/>
+        </p:spPr>
+      </p:pic>
     </p:spTree>
   </p:cSld>
   <p:clrMapOvr>
     <a:masterClrMapping/>
   </p:clrMapOvr>
+  <p:timing>
+    <p:tnLst>
+      <p:par>
+        <p:cTn id="1" dur="indefinite" restart="never" nodeType="tmRoot"/>
+      </p:par>
+    </p:tnLst>
+  </p:timing>
 </p:sld>
 </file>
 
@@ -4462,7 +4735,7 @@
           <a:p>
             <a:r>
               <a:rPr lang="de-AT" dirty="0" smtClean="0"/>
-              <a:t>Kollision</a:t>
+              <a:t>Items</a:t>
             </a:r>
             <a:endParaRPr lang="de-AT" dirty="0"/>
           </a:p>
@@ -4483,15 +4756,93 @@
           <a:bodyPr/>
           <a:lstStyle/>
           <a:p>
-            <a:endParaRPr lang="de-AT"/>
-          </a:p>
-        </p:txBody>
-      </p:sp>
+            <a:endParaRPr lang="de-AT" dirty="0" smtClean="0"/>
+          </a:p>
+          <a:p>
+            <a:endParaRPr lang="de-AT" dirty="0" smtClean="0"/>
+          </a:p>
+          <a:p>
+            <a:endParaRPr lang="de-AT" dirty="0" smtClean="0"/>
+          </a:p>
+          <a:p>
+            <a:endParaRPr lang="de-AT" dirty="0" smtClean="0"/>
+          </a:p>
+          <a:p>
+            <a:endParaRPr lang="de-AT" dirty="0" smtClean="0"/>
+          </a:p>
+          <a:p>
+            <a:endParaRPr lang="de-AT" dirty="0"/>
+          </a:p>
+          <a:p>
+            <a:pPr lvl="1"/>
+            <a:r>
+              <a:rPr lang="de-AT" dirty="0" err="1" smtClean="0"/>
+              <a:t>Konstruktoren</a:t>
+            </a:r>
+            <a:r>
+              <a:rPr lang="de-AT" dirty="0" smtClean="0"/>
+              <a:t> überschreiben</a:t>
+            </a:r>
+          </a:p>
+          <a:p>
+            <a:pPr lvl="1"/>
+            <a:r>
+              <a:rPr lang="de-AT" dirty="0" smtClean="0"/>
+              <a:t>Methode </a:t>
+            </a:r>
+            <a:r>
+              <a:rPr lang="de-AT" dirty="0" err="1" smtClean="0"/>
+              <a:t>ItemPickup</a:t>
+            </a:r>
+            <a:r>
+              <a:rPr lang="de-AT" dirty="0" smtClean="0"/>
+              <a:t> –&gt; Player</a:t>
+            </a:r>
+          </a:p>
+          <a:p>
+            <a:pPr lvl="1"/>
+            <a:endParaRPr lang="de-AT" dirty="0" smtClean="0"/>
+          </a:p>
+        </p:txBody>
+      </p:sp>
+      <p:pic>
+        <p:nvPicPr>
+          <p:cNvPr id="2050" name="Picture 2" descr="C:\Users\Luki\Documents\GitHub\Jump_Run\Präsentation\Item_UML.JPG"/>
+          <p:cNvPicPr>
+            <a:picLocks noChangeAspect="1" noChangeArrowheads="1"/>
+          </p:cNvPicPr>
+          <p:nvPr/>
+        </p:nvPicPr>
+        <p:blipFill>
+          <a:blip r:embed="rId2" cstate="print"/>
+          <a:srcRect l="6349" t="17918" r="11111" b="22357"/>
+          <a:stretch>
+            <a:fillRect/>
+          </a:stretch>
+        </p:blipFill>
+        <p:spPr bwMode="auto">
+          <a:xfrm>
+            <a:off x="899592" y="1844824"/>
+            <a:ext cx="6480720" cy="2492585"/>
+          </a:xfrm>
+          <a:prstGeom prst="rect">
+            <a:avLst/>
+          </a:prstGeom>
+          <a:noFill/>
+        </p:spPr>
+      </p:pic>
     </p:spTree>
   </p:cSld>
   <p:clrMapOvr>
     <a:masterClrMapping/>
   </p:clrMapOvr>
+  <p:timing>
+    <p:tnLst>
+      <p:par>
+        <p:cTn id="1" dur="indefinite" restart="never" nodeType="tmRoot"/>
+      </p:par>
+    </p:tnLst>
+  </p:timing>
 </p:sld>
 </file>
 

--- a/Präsentation/Jump And Run.pptx
+++ b/Präsentation/Jump And Run.pptx
@@ -3778,6 +3778,36 @@
           <a:bodyPr/>
           <a:lstStyle/>
           <a:p>
+            <a:r>
+              <a:rPr lang="de-AT" dirty="0" smtClean="0"/>
+              <a:t>Gegner bewegt sich per Zufall über den Bildschirm</a:t>
+            </a:r>
+          </a:p>
+          <a:p>
+            <a:r>
+              <a:rPr lang="de-AT" dirty="0" smtClean="0"/>
+              <a:t>Kann </a:t>
+            </a:r>
+          </a:p>
+          <a:p>
+            <a:pPr lvl="1"/>
+            <a:r>
+              <a:rPr lang="de-AT" dirty="0" smtClean="0"/>
+              <a:t>Nach links und rechts laufen</a:t>
+            </a:r>
+          </a:p>
+          <a:p>
+            <a:pPr lvl="1"/>
+            <a:r>
+              <a:rPr lang="de-AT" dirty="0" smtClean="0"/>
+              <a:t>springen</a:t>
+            </a:r>
+          </a:p>
+          <a:p>
+            <a:r>
+              <a:rPr lang="de-AT" dirty="0" smtClean="0"/>
+              <a:t>Test Gegner: Kung – Fu – Panda </a:t>
+            </a:r>
             <a:endParaRPr lang="de-AT" dirty="0"/>
           </a:p>
         </p:txBody>
@@ -3854,7 +3884,16 @@
           <a:p>
             <a:r>
               <a:rPr lang="de-AT" dirty="0" smtClean="0"/>
-              <a:t>Charakter soll schießen können(zielen mit der Maus ) </a:t>
+              <a:t>Charakter soll schießen können</a:t>
+            </a:r>
+          </a:p>
+          <a:p>
+            <a:pPr>
+              <a:buNone/>
+            </a:pPr>
+            <a:r>
+              <a:rPr lang="de-AT" dirty="0" smtClean="0"/>
+              <a:t>	(zielen mit der Maus) </a:t>
             </a:r>
           </a:p>
           <a:p>
@@ -4254,23 +4293,33 @@
           <a:p>
             <a:r>
               <a:rPr lang="de-AT" dirty="0" smtClean="0"/>
-              <a:t>2D: </a:t>
-            </a:r>
+              <a:t>2D </a:t>
+            </a:r>
+          </a:p>
+          <a:p>
+            <a:pPr lvl="1"/>
             <a:r>
               <a:rPr lang="de-AT" dirty="0" err="1" smtClean="0"/>
               <a:t>SpriteBatch</a:t>
             </a:r>
             <a:r>
               <a:rPr lang="de-AT" dirty="0" smtClean="0"/>
-              <a:t>, </a:t>
-            </a:r>
+              <a:t> </a:t>
+            </a:r>
+          </a:p>
+          <a:p>
+            <a:pPr lvl="1"/>
             <a:r>
               <a:rPr lang="de-AT" dirty="0" err="1" smtClean="0"/>
               <a:t>Texture</a:t>
             </a:r>
+            <a:endParaRPr lang="de-AT" dirty="0" smtClean="0"/>
+          </a:p>
+          <a:p>
+            <a:pPr lvl="1"/>
             <a:r>
               <a:rPr lang="de-AT" dirty="0" smtClean="0"/>
-              <a:t>, </a:t>
+              <a:t> </a:t>
             </a:r>
             <a:r>
               <a:rPr lang="de-AT" dirty="0" err="1" smtClean="0"/>
@@ -4557,7 +4606,21 @@
           <a:bodyPr/>
           <a:lstStyle/>
           <a:p>
-            <a:endParaRPr lang="de-AT"/>
+            <a:r>
+              <a:rPr lang="de-AT" dirty="0" smtClean="0"/>
+              <a:t>Jede Sekunde findet </a:t>
+            </a:r>
+            <a:r>
+              <a:rPr lang="de-AT" dirty="0" smtClean="0"/>
+              <a:t>Ü</a:t>
+            </a:r>
+            <a:r>
+              <a:rPr lang="de-AT" dirty="0" smtClean="0"/>
+              <a:t>berprüfung statt</a:t>
+            </a:r>
+          </a:p>
+          <a:p>
+            <a:endParaRPr lang="de-AT" dirty="0"/>
           </a:p>
         </p:txBody>
       </p:sp>
@@ -4796,7 +4859,7 @@
             </a:r>
             <a:r>
               <a:rPr lang="de-AT" dirty="0" smtClean="0"/>
-              <a:t> –&gt; Player</a:t>
+              <a:t> im Player</a:t>
             </a:r>
           </a:p>
           <a:p>

--- a/Präsentation/Jump And Run.pptx
+++ b/Präsentation/Jump And Run.pptx
@@ -503,7 +503,7 @@
             <a:fld id="{E4E22B9F-3C64-4D39-BB36-AEEAA5B31D5F}" type="datetimeFigureOut">
               <a:rPr lang="de-AT" smtClean="0"/>
               <a:pPr/>
-              <a:t>28.01.2014</a:t>
+              <a:t>29.01.2014</a:t>
             </a:fld>
             <a:endParaRPr lang="de-AT"/>
           </a:p>
@@ -670,7 +670,7 @@
             <a:fld id="{E4E22B9F-3C64-4D39-BB36-AEEAA5B31D5F}" type="datetimeFigureOut">
               <a:rPr lang="de-AT" smtClean="0"/>
               <a:pPr/>
-              <a:t>28.01.2014</a:t>
+              <a:t>29.01.2014</a:t>
             </a:fld>
             <a:endParaRPr lang="de-AT"/>
           </a:p>
@@ -847,7 +847,7 @@
             <a:fld id="{E4E22B9F-3C64-4D39-BB36-AEEAA5B31D5F}" type="datetimeFigureOut">
               <a:rPr lang="de-AT" smtClean="0"/>
               <a:pPr/>
-              <a:t>28.01.2014</a:t>
+              <a:t>29.01.2014</a:t>
             </a:fld>
             <a:endParaRPr lang="de-AT"/>
           </a:p>
@@ -1018,7 +1018,7 @@
             <a:fld id="{E4E22B9F-3C64-4D39-BB36-AEEAA5B31D5F}" type="datetimeFigureOut">
               <a:rPr lang="de-AT" smtClean="0"/>
               <a:pPr/>
-              <a:t>28.01.2014</a:t>
+              <a:t>29.01.2014</a:t>
             </a:fld>
             <a:endParaRPr lang="de-AT"/>
           </a:p>
@@ -1475,7 +1475,7 @@
             <a:fld id="{E4E22B9F-3C64-4D39-BB36-AEEAA5B31D5F}" type="datetimeFigureOut">
               <a:rPr lang="de-AT" smtClean="0"/>
               <a:pPr/>
-              <a:t>28.01.2014</a:t>
+              <a:t>29.01.2014</a:t>
             </a:fld>
             <a:endParaRPr lang="de-AT"/>
           </a:p>
@@ -1741,7 +1741,7 @@
             <a:fld id="{E4E22B9F-3C64-4D39-BB36-AEEAA5B31D5F}" type="datetimeFigureOut">
               <a:rPr lang="de-AT" smtClean="0"/>
               <a:pPr/>
-              <a:t>28.01.2014</a:t>
+              <a:t>29.01.2014</a:t>
             </a:fld>
             <a:endParaRPr lang="de-AT"/>
           </a:p>
@@ -2117,7 +2117,7 @@
             <a:fld id="{E4E22B9F-3C64-4D39-BB36-AEEAA5B31D5F}" type="datetimeFigureOut">
               <a:rPr lang="de-AT" smtClean="0"/>
               <a:pPr/>
-              <a:t>28.01.2014</a:t>
+              <a:t>29.01.2014</a:t>
             </a:fld>
             <a:endParaRPr lang="de-AT"/>
           </a:p>
@@ -2241,7 +2241,7 @@
             <a:fld id="{E4E22B9F-3C64-4D39-BB36-AEEAA5B31D5F}" type="datetimeFigureOut">
               <a:rPr lang="de-AT" smtClean="0"/>
               <a:pPr/>
-              <a:t>28.01.2014</a:t>
+              <a:t>29.01.2014</a:t>
             </a:fld>
             <a:endParaRPr lang="de-AT"/>
           </a:p>
@@ -2333,7 +2333,7 @@
             <a:fld id="{E4E22B9F-3C64-4D39-BB36-AEEAA5B31D5F}" type="datetimeFigureOut">
               <a:rPr lang="de-AT" smtClean="0"/>
               <a:pPr/>
-              <a:t>28.01.2014</a:t>
+              <a:t>29.01.2014</a:t>
             </a:fld>
             <a:endParaRPr lang="de-AT"/>
           </a:p>
@@ -2584,7 +2584,7 @@
             <a:fld id="{E4E22B9F-3C64-4D39-BB36-AEEAA5B31D5F}" type="datetimeFigureOut">
               <a:rPr lang="de-AT" smtClean="0"/>
               <a:pPr/>
-              <a:t>28.01.2014</a:t>
+              <a:t>29.01.2014</a:t>
             </a:fld>
             <a:endParaRPr lang="de-AT"/>
           </a:p>
@@ -2845,7 +2845,7 @@
             <a:fld id="{E4E22B9F-3C64-4D39-BB36-AEEAA5B31D5F}" type="datetimeFigureOut">
               <a:rPr lang="de-AT" smtClean="0"/>
               <a:pPr/>
-              <a:t>28.01.2014</a:t>
+              <a:t>29.01.2014</a:t>
             </a:fld>
             <a:endParaRPr lang="de-AT"/>
           </a:p>
@@ -3251,7 +3251,7 @@
             <a:fld id="{E4E22B9F-3C64-4D39-BB36-AEEAA5B31D5F}" type="datetimeFigureOut">
               <a:rPr lang="de-AT" smtClean="0"/>
               <a:pPr/>
-              <a:t>28.01.2014</a:t>
+              <a:t>29.01.2014</a:t>
             </a:fld>
             <a:endParaRPr lang="de-AT"/>
           </a:p>
@@ -4608,15 +4608,11 @@
           <a:p>
             <a:r>
               <a:rPr lang="de-AT" dirty="0" smtClean="0"/>
-              <a:t>Jede Sekunde findet </a:t>
+              <a:t>60 mal pro Sekunde findet </a:t>
             </a:r>
             <a:r>
               <a:rPr lang="de-AT" dirty="0" smtClean="0"/>
-              <a:t>Ü</a:t>
-            </a:r>
-            <a:r>
-              <a:rPr lang="de-AT" dirty="0" smtClean="0"/>
-              <a:t>berprüfung statt</a:t>
+              <a:t>Überprüfung statt</a:t>
             </a:r>
           </a:p>
           <a:p>
